--- a/docs/rapport/diapopresdebut (1).pptx
+++ b/docs/rapport/diapopresdebut (1).pptx
@@ -6239,12 +6239,12 @@
               </a:lnSpc>
             </a:pPr>
             <a:r>
-              <a:rPr lang="fr-FR" sz="1300">
+              <a:rPr lang="fr-FR" sz="1300" dirty="0">
                 <a:solidFill>
                   <a:schemeClr val="tx1"/>
                 </a:solidFill>
               </a:rPr>
-              <a:t>VILMARD Alexis</a:t>
+              <a:t>BERNHARD William</a:t>
             </a:r>
           </a:p>
           <a:p>
@@ -6254,12 +6254,12 @@
               </a:lnSpc>
             </a:pPr>
             <a:r>
-              <a:rPr lang="fr-FR" sz="1300">
+              <a:rPr lang="fr-FR" sz="1300" dirty="0">
                 <a:solidFill>
                   <a:schemeClr val="tx1"/>
                 </a:solidFill>
               </a:rPr>
-              <a:t>BERNHARD William</a:t>
+              <a:t>GUILLOU Aurélien</a:t>
             </a:r>
           </a:p>
           <a:p>
@@ -6269,12 +6269,12 @@
               </a:lnSpc>
             </a:pPr>
             <a:r>
-              <a:rPr lang="fr-FR" sz="1300">
+              <a:rPr lang="fr-FR" sz="1300" dirty="0">
                 <a:solidFill>
                   <a:schemeClr val="tx1"/>
                 </a:solidFill>
               </a:rPr>
-              <a:t>GUILLOU Aurélien</a:t>
+              <a:t>HEIDET Lucas</a:t>
             </a:r>
           </a:p>
           <a:p>
@@ -6284,12 +6284,12 @@
               </a:lnSpc>
             </a:pPr>
             <a:r>
-              <a:rPr lang="fr-FR" sz="1300">
+              <a:rPr lang="fr-FR" sz="1300" dirty="0">
                 <a:solidFill>
                   <a:schemeClr val="tx1"/>
                 </a:solidFill>
               </a:rPr>
-              <a:t>HEIDET Lucas</a:t>
+              <a:t>TROGNOT Mathias</a:t>
             </a:r>
           </a:p>
           <a:p>
@@ -6299,13 +6299,25 @@
               </a:lnSpc>
             </a:pPr>
             <a:r>
-              <a:rPr lang="fr-FR" sz="1300">
+              <a:rPr lang="fr-FR" sz="1300" dirty="0">
                 <a:solidFill>
                   <a:schemeClr val="tx1"/>
                 </a:solidFill>
               </a:rPr>
-              <a:t>TROGNOT Mathias</a:t>
-            </a:r>
+              <a:t>VILMARD Alexis</a:t>
+            </a:r>
+          </a:p>
+          <a:p>
+            <a:pPr>
+              <a:lnSpc>
+                <a:spcPct val="90000"/>
+              </a:lnSpc>
+            </a:pPr>
+            <a:endParaRPr lang="fr-FR" sz="1300" dirty="0">
+              <a:solidFill>
+                <a:schemeClr val="tx1"/>
+              </a:solidFill>
+            </a:endParaRPr>
           </a:p>
         </p:txBody>
       </p:sp>
@@ -6390,7 +6402,15 @@
           <a:p>
             <a:r>
               <a:rPr lang="fr-FR" dirty="0"/>
-              <a:t>Présentation du jeu choisie</a:t>
+              <a:t>Présentation </a:t>
+            </a:r>
+            <a:r>
+              <a:rPr lang="fr-FR"/>
+              <a:t>du jeu </a:t>
+            </a:r>
+            <a:r>
+              <a:rPr lang="fr-FR" dirty="0"/>
+              <a:t>choisi</a:t>
             </a:r>
           </a:p>
           <a:p>

--- a/docs/rapport/diapopresdebut (1).pptx
+++ b/docs/rapport/diapopresdebut (1).pptx
@@ -6402,15 +6402,7 @@
           <a:p>
             <a:r>
               <a:rPr lang="fr-FR" dirty="0"/>
-              <a:t>Présentation </a:t>
-            </a:r>
-            <a:r>
-              <a:rPr lang="fr-FR"/>
-              <a:t>du jeu </a:t>
-            </a:r>
-            <a:r>
-              <a:rPr lang="fr-FR" dirty="0"/>
-              <a:t>choisi</a:t>
+              <a:t>Présentation du jeu choisi</a:t>
             </a:r>
           </a:p>
           <a:p>
@@ -6504,7 +6496,7 @@
           <a:p>
             <a:r>
               <a:rPr lang="fr-FR" dirty="0"/>
-              <a:t>Présentation du jeu choisie</a:t>
+              <a:t>Présentation du jeu choisi</a:t>
             </a:r>
           </a:p>
         </p:txBody>
@@ -6530,7 +6522,34 @@
           <a:bodyPr/>
           <a:lstStyle/>
           <a:p>
-            <a:endParaRPr lang="fr-FR"/>
+            <a:r>
+              <a:rPr lang="fr-FR" dirty="0"/>
+              <a:t>CETS UN PACMAN</a:t>
+            </a:r>
+          </a:p>
+          <a:p>
+            <a:r>
+              <a:rPr lang="fr-FR" dirty="0"/>
+              <a:t>Editeur</a:t>
+            </a:r>
+          </a:p>
+          <a:p>
+            <a:r>
+              <a:rPr lang="fr-FR" dirty="0"/>
+              <a:t>Musiques</a:t>
+            </a:r>
+          </a:p>
+          <a:p>
+            <a:r>
+              <a:rPr lang="fr-FR" dirty="0"/>
+              <a:t>Graphismes / Animation</a:t>
+            </a:r>
+          </a:p>
+          <a:p>
+            <a:r>
+              <a:rPr lang="fr-FR" dirty="0"/>
+              <a:t>Réglages</a:t>
+            </a:r>
           </a:p>
         </p:txBody>
       </p:sp>
@@ -6613,7 +6632,15 @@
           <a:bodyPr/>
           <a:lstStyle/>
           <a:p>
-            <a:endParaRPr lang="fr-FR"/>
+            <a:r>
+              <a:rPr lang="fr-FR" dirty="0"/>
+              <a:t>Voir </a:t>
+            </a:r>
+            <a:r>
+              <a:rPr lang="fr-FR" dirty="0" err="1"/>
+              <a:t>CahierDesCharges.odt</a:t>
+            </a:r>
+            <a:endParaRPr lang="fr-FR" dirty="0"/>
           </a:p>
         </p:txBody>
       </p:sp>

--- a/docs/rapport/diapopresdebut (1).pptx
+++ b/docs/rapport/diapopresdebut (1).pptx
@@ -839,7 +839,7 @@
           <a:p>
             <a:fld id="{EF625888-4147-4E54-8276-B11ED3ADD827}" type="datetimeFigureOut">
               <a:rPr lang="fr-FR" smtClean="0"/>
-              <a:t>09/06/2021</a:t>
+              <a:t>10/06/2021</a:t>
             </a:fld>
             <a:endParaRPr lang="fr-FR"/>
           </a:p>
@@ -1090,7 +1090,7 @@
           <a:p>
             <a:fld id="{EF625888-4147-4E54-8276-B11ED3ADD827}" type="datetimeFigureOut">
               <a:rPr lang="fr-FR" smtClean="0"/>
-              <a:t>09/06/2021</a:t>
+              <a:t>10/06/2021</a:t>
             </a:fld>
             <a:endParaRPr lang="fr-FR"/>
           </a:p>
@@ -1404,7 +1404,7 @@
           <a:p>
             <a:fld id="{EF625888-4147-4E54-8276-B11ED3ADD827}" type="datetimeFigureOut">
               <a:rPr lang="fr-FR" smtClean="0"/>
-              <a:t>09/06/2021</a:t>
+              <a:t>10/06/2021</a:t>
             </a:fld>
             <a:endParaRPr lang="fr-FR"/>
           </a:p>
@@ -1745,7 +1745,7 @@
           <a:p>
             <a:fld id="{EF625888-4147-4E54-8276-B11ED3ADD827}" type="datetimeFigureOut">
               <a:rPr lang="fr-FR" smtClean="0"/>
-              <a:t>09/06/2021</a:t>
+              <a:t>10/06/2021</a:t>
             </a:fld>
             <a:endParaRPr lang="fr-FR"/>
           </a:p>
@@ -2059,7 +2059,7 @@
           <a:p>
             <a:fld id="{EF625888-4147-4E54-8276-B11ED3ADD827}" type="datetimeFigureOut">
               <a:rPr lang="fr-FR" smtClean="0"/>
-              <a:t>09/06/2021</a:t>
+              <a:t>10/06/2021</a:t>
             </a:fld>
             <a:endParaRPr lang="fr-FR"/>
           </a:p>
@@ -2452,7 +2452,7 @@
           <a:p>
             <a:fld id="{EF625888-4147-4E54-8276-B11ED3ADD827}" type="datetimeFigureOut">
               <a:rPr lang="fr-FR" smtClean="0"/>
-              <a:t>09/06/2021</a:t>
+              <a:t>10/06/2021</a:t>
             </a:fld>
             <a:endParaRPr lang="fr-FR"/>
           </a:p>
@@ -2622,7 +2622,7 @@
           <a:p>
             <a:fld id="{EF625888-4147-4E54-8276-B11ED3ADD827}" type="datetimeFigureOut">
               <a:rPr lang="fr-FR" smtClean="0"/>
-              <a:t>09/06/2021</a:t>
+              <a:t>10/06/2021</a:t>
             </a:fld>
             <a:endParaRPr lang="fr-FR"/>
           </a:p>
@@ -2802,7 +2802,7 @@
           <a:p>
             <a:fld id="{EF625888-4147-4E54-8276-B11ED3ADD827}" type="datetimeFigureOut">
               <a:rPr lang="fr-FR" smtClean="0"/>
-              <a:t>09/06/2021</a:t>
+              <a:t>10/06/2021</a:t>
             </a:fld>
             <a:endParaRPr lang="fr-FR"/>
           </a:p>
@@ -2978,7 +2978,7 @@
           <a:p>
             <a:fld id="{EF625888-4147-4E54-8276-B11ED3ADD827}" type="datetimeFigureOut">
               <a:rPr lang="fr-FR" smtClean="0"/>
-              <a:t>09/06/2021</a:t>
+              <a:t>10/06/2021</a:t>
             </a:fld>
             <a:endParaRPr lang="fr-FR"/>
           </a:p>
@@ -3225,7 +3225,7 @@
           <a:p>
             <a:fld id="{EF625888-4147-4E54-8276-B11ED3ADD827}" type="datetimeFigureOut">
               <a:rPr lang="fr-FR" smtClean="0"/>
-              <a:t>09/06/2021</a:t>
+              <a:t>10/06/2021</a:t>
             </a:fld>
             <a:endParaRPr lang="fr-FR"/>
           </a:p>
@@ -3457,7 +3457,7 @@
           <a:p>
             <a:fld id="{EF625888-4147-4E54-8276-B11ED3ADD827}" type="datetimeFigureOut">
               <a:rPr lang="fr-FR" smtClean="0"/>
-              <a:t>09/06/2021</a:t>
+              <a:t>10/06/2021</a:t>
             </a:fld>
             <a:endParaRPr lang="fr-FR"/>
           </a:p>
@@ -3831,7 +3831,7 @@
           <a:p>
             <a:fld id="{EF625888-4147-4E54-8276-B11ED3ADD827}" type="datetimeFigureOut">
               <a:rPr lang="fr-FR" smtClean="0"/>
-              <a:t>09/06/2021</a:t>
+              <a:t>10/06/2021</a:t>
             </a:fld>
             <a:endParaRPr lang="fr-FR"/>
           </a:p>
@@ -3954,7 +3954,7 @@
           <a:p>
             <a:fld id="{EF625888-4147-4E54-8276-B11ED3ADD827}" type="datetimeFigureOut">
               <a:rPr lang="fr-FR" smtClean="0"/>
-              <a:t>09/06/2021</a:t>
+              <a:t>10/06/2021</a:t>
             </a:fld>
             <a:endParaRPr lang="fr-FR"/>
           </a:p>
@@ -4049,7 +4049,7 @@
           <a:p>
             <a:fld id="{EF625888-4147-4E54-8276-B11ED3ADD827}" type="datetimeFigureOut">
               <a:rPr lang="fr-FR" smtClean="0"/>
-              <a:t>09/06/2021</a:t>
+              <a:t>10/06/2021</a:t>
             </a:fld>
             <a:endParaRPr lang="fr-FR"/>
           </a:p>
@@ -4304,7 +4304,7 @@
           <a:p>
             <a:fld id="{EF625888-4147-4E54-8276-B11ED3ADD827}" type="datetimeFigureOut">
               <a:rPr lang="fr-FR" smtClean="0"/>
-              <a:t>09/06/2021</a:t>
+              <a:t>10/06/2021</a:t>
             </a:fld>
             <a:endParaRPr lang="fr-FR"/>
           </a:p>
@@ -4567,7 +4567,7 @@
           <a:p>
             <a:fld id="{EF625888-4147-4E54-8276-B11ED3ADD827}" type="datetimeFigureOut">
               <a:rPr lang="fr-FR" smtClean="0"/>
-              <a:t>09/06/2021</a:t>
+              <a:t>10/06/2021</a:t>
             </a:fld>
             <a:endParaRPr lang="fr-FR"/>
           </a:p>
@@ -5310,7 +5310,7 @@
           <a:p>
             <a:fld id="{EF625888-4147-4E54-8276-B11ED3ADD827}" type="datetimeFigureOut">
               <a:rPr lang="fr-FR" smtClean="0"/>
-              <a:t>09/06/2021</a:t>
+              <a:t>10/06/2021</a:t>
             </a:fld>
             <a:endParaRPr lang="fr-FR"/>
           </a:p>
@@ -6523,9 +6523,10 @@
           <a:lstStyle/>
           <a:p>
             <a:r>
-              <a:rPr lang="fr-FR" dirty="0"/>
-              <a:t>CETS UN PACMAN</a:t>
-            </a:r>
+              <a:rPr lang="fr-FR" dirty="0" err="1"/>
+              <a:t>pacman</a:t>
+            </a:r>
+            <a:endParaRPr lang="fr-FR" dirty="0"/>
           </a:p>
           <a:p>
             <a:r>
@@ -6723,7 +6724,7 @@
           <a:bodyPr/>
           <a:lstStyle/>
           <a:p>
-            <a:endParaRPr lang="fr-FR"/>
+            <a:endParaRPr lang="fr-FR" dirty="0"/>
           </a:p>
         </p:txBody>
       </p:sp>
